--- a/CSCE 689/Week 1.pptx
+++ b/CSCE 689/Week 1.pptx
@@ -110,6 +110,11 @@
       </a:defRPr>
     </a:lvl9pPr>
   </p:defaultTextStyle>
+  <p:extLst>
+    <p:ext uri="{EFAFB233-063F-42B5-8137-9DF3F51BA10A}">
+      <p15:sldGuideLst xmlns:p15="http://schemas.microsoft.com/office/powerpoint/2012/main"/>
+    </p:ext>
+  </p:extLst>
 </p:presentation>
 </file>
 
@@ -260,7 +265,7 @@
           <a:p>
             <a:fld id="{DC6C602D-3BCE-471D-8F39-B77DD0C73AA0}" type="datetimeFigureOut">
               <a:rPr lang="en-US" smtClean="0"/>
-              <a:t>8/8/2023</a:t>
+              <a:t>8/13/2023</a:t>
             </a:fld>
             <a:endParaRPr lang="en-US"/>
           </a:p>
@@ -458,7 +463,7 @@
           <a:p>
             <a:fld id="{DC6C602D-3BCE-471D-8F39-B77DD0C73AA0}" type="datetimeFigureOut">
               <a:rPr lang="en-US" smtClean="0"/>
-              <a:t>8/8/2023</a:t>
+              <a:t>8/13/2023</a:t>
             </a:fld>
             <a:endParaRPr lang="en-US"/>
           </a:p>
@@ -666,7 +671,7 @@
           <a:p>
             <a:fld id="{DC6C602D-3BCE-471D-8F39-B77DD0C73AA0}" type="datetimeFigureOut">
               <a:rPr lang="en-US" smtClean="0"/>
-              <a:t>8/8/2023</a:t>
+              <a:t>8/13/2023</a:t>
             </a:fld>
             <a:endParaRPr lang="en-US"/>
           </a:p>
@@ -864,7 +869,7 @@
           <a:p>
             <a:fld id="{DC6C602D-3BCE-471D-8F39-B77DD0C73AA0}" type="datetimeFigureOut">
               <a:rPr lang="en-US" smtClean="0"/>
-              <a:t>8/8/2023</a:t>
+              <a:t>8/13/2023</a:t>
             </a:fld>
             <a:endParaRPr lang="en-US"/>
           </a:p>
@@ -1139,7 +1144,7 @@
           <a:p>
             <a:fld id="{DC6C602D-3BCE-471D-8F39-B77DD0C73AA0}" type="datetimeFigureOut">
               <a:rPr lang="en-US" smtClean="0"/>
-              <a:t>8/8/2023</a:t>
+              <a:t>8/13/2023</a:t>
             </a:fld>
             <a:endParaRPr lang="en-US"/>
           </a:p>
@@ -1404,7 +1409,7 @@
           <a:p>
             <a:fld id="{DC6C602D-3BCE-471D-8F39-B77DD0C73AA0}" type="datetimeFigureOut">
               <a:rPr lang="en-US" smtClean="0"/>
-              <a:t>8/8/2023</a:t>
+              <a:t>8/13/2023</a:t>
             </a:fld>
             <a:endParaRPr lang="en-US"/>
           </a:p>
@@ -1816,7 +1821,7 @@
           <a:p>
             <a:fld id="{DC6C602D-3BCE-471D-8F39-B77DD0C73AA0}" type="datetimeFigureOut">
               <a:rPr lang="en-US" smtClean="0"/>
-              <a:t>8/8/2023</a:t>
+              <a:t>8/13/2023</a:t>
             </a:fld>
             <a:endParaRPr lang="en-US"/>
           </a:p>
@@ -1957,7 +1962,7 @@
           <a:p>
             <a:fld id="{DC6C602D-3BCE-471D-8F39-B77DD0C73AA0}" type="datetimeFigureOut">
               <a:rPr lang="en-US" smtClean="0"/>
-              <a:t>8/8/2023</a:t>
+              <a:t>8/13/2023</a:t>
             </a:fld>
             <a:endParaRPr lang="en-US"/>
           </a:p>
@@ -2070,7 +2075,7 @@
           <a:p>
             <a:fld id="{DC6C602D-3BCE-471D-8F39-B77DD0C73AA0}" type="datetimeFigureOut">
               <a:rPr lang="en-US" smtClean="0"/>
-              <a:t>8/8/2023</a:t>
+              <a:t>8/13/2023</a:t>
             </a:fld>
             <a:endParaRPr lang="en-US"/>
           </a:p>
@@ -2381,7 +2386,7 @@
           <a:p>
             <a:fld id="{DC6C602D-3BCE-471D-8F39-B77DD0C73AA0}" type="datetimeFigureOut">
               <a:rPr lang="en-US" smtClean="0"/>
-              <a:t>8/8/2023</a:t>
+              <a:t>8/13/2023</a:t>
             </a:fld>
             <a:endParaRPr lang="en-US"/>
           </a:p>
@@ -2669,7 +2674,7 @@
           <a:p>
             <a:fld id="{DC6C602D-3BCE-471D-8F39-B77DD0C73AA0}" type="datetimeFigureOut">
               <a:rPr lang="en-US" smtClean="0"/>
-              <a:t>8/8/2023</a:t>
+              <a:t>8/13/2023</a:t>
             </a:fld>
             <a:endParaRPr lang="en-US"/>
           </a:p>
@@ -2910,7 +2915,7 @@
           <a:p>
             <a:fld id="{DC6C602D-3BCE-471D-8F39-B77DD0C73AA0}" type="datetimeFigureOut">
               <a:rPr lang="en-US" smtClean="0"/>
-              <a:t>8/8/2023</a:t>
+              <a:t>8/13/2023</a:t>
             </a:fld>
             <a:endParaRPr lang="en-US"/>
           </a:p>
@@ -3467,8 +3472,8 @@
           </a:p>
         </p:txBody>
       </p:sp>
-      <mc:AlternateContent xmlns:mc="http://schemas.openxmlformats.org/markup-compatibility/2006">
-        <mc:Choice xmlns:a14="http://schemas.microsoft.com/office/drawing/2010/main" Requires="a14">
+      <mc:AlternateContent xmlns:mc="http://schemas.openxmlformats.org/markup-compatibility/2006" xmlns:a14="http://schemas.microsoft.com/office/drawing/2010/main">
+        <mc:Choice Requires="a14">
           <p:sp>
             <p:nvSpPr>
               <p:cNvPr id="3" name="Content Placeholder 2">
@@ -3670,7 +3675,7 @@
             </p:txBody>
           </p:sp>
         </mc:Choice>
-        <mc:Fallback>
+        <mc:Fallback xmlns="">
           <p:sp>
             <p:nvSpPr>
               <p:cNvPr id="3" name="Content Placeholder 2">
@@ -3773,8 +3778,8 @@
           </a:p>
         </p:txBody>
       </p:sp>
-      <mc:AlternateContent xmlns:mc="http://schemas.openxmlformats.org/markup-compatibility/2006">
-        <mc:Choice xmlns:a14="http://schemas.microsoft.com/office/drawing/2010/main" Requires="a14">
+      <mc:AlternateContent xmlns:mc="http://schemas.openxmlformats.org/markup-compatibility/2006" xmlns:a14="http://schemas.microsoft.com/office/drawing/2010/main">
+        <mc:Choice Requires="a14">
           <p:sp>
             <p:nvSpPr>
               <p:cNvPr id="3" name="Content Placeholder 2">
@@ -4416,7 +4421,7 @@
             </p:txBody>
           </p:sp>
         </mc:Choice>
-        <mc:Fallback>
+        <mc:Fallback xmlns="">
           <p:sp>
             <p:nvSpPr>
               <p:cNvPr id="3" name="Content Placeholder 2">
@@ -4460,8 +4465,8 @@
           </p:sp>
         </mc:Fallback>
       </mc:AlternateContent>
-      <mc:AlternateContent xmlns:mc="http://schemas.openxmlformats.org/markup-compatibility/2006">
-        <mc:Choice xmlns:a14="http://schemas.microsoft.com/office/drawing/2010/main" Requires="a14">
+      <mc:AlternateContent xmlns:mc="http://schemas.openxmlformats.org/markup-compatibility/2006" xmlns:a14="http://schemas.microsoft.com/office/drawing/2010/main">
+        <mc:Choice Requires="a14">
           <p:sp>
             <p:nvSpPr>
               <p:cNvPr id="5" name="TextBox 4">
@@ -4767,7 +4772,7 @@
             </p:txBody>
           </p:sp>
         </mc:Choice>
-        <mc:Fallback>
+        <mc:Fallback xmlns="">
           <p:sp>
             <p:nvSpPr>
               <p:cNvPr id="5" name="TextBox 4">
@@ -4962,7 +4967,7 @@
                         <m:begChr m:val="["/>
                         <m:endChr m:val="]"/>
                         <m:ctrlPr>
-                          <a:rPr lang="en-US" b="0" i="0" dirty="0" smtClean="0">
+                          <a:rPr lang="en-US" b="0" i="1" dirty="0" smtClean="0">
                             <a:solidFill>
                               <a:srgbClr val="C00000"/>
                             </a:solidFill>
@@ -5102,6 +5107,132 @@
                     </m:d>
                   </m:oMath>
                 </a14:m>
+                <a:r>
+                  <a:rPr lang="en-US" dirty="0"/>
+                  <a:t> for all possible outcomes </a:t>
+                </a:r>
+                <a14:m>
+                  <m:oMath xmlns:m="http://schemas.openxmlformats.org/officeDocument/2006/math">
+                    <m:r>
+                      <a:rPr lang="en-US" i="1" dirty="0">
+                        <a:solidFill>
+                          <a:srgbClr val="C00000"/>
+                        </a:solidFill>
+                        <a:latin typeface="Cambria Math" panose="02040503050406030204" pitchFamily="18" charset="0"/>
+                      </a:rPr>
+                      <m:t>𝑥</m:t>
+                    </m:r>
+                    <m:r>
+                      <a:rPr lang="en-US" b="0" i="1" dirty="0" smtClean="0">
+                        <a:solidFill>
+                          <a:srgbClr val="C00000"/>
+                        </a:solidFill>
+                        <a:latin typeface="Cambria Math" panose="02040503050406030204" pitchFamily="18" charset="0"/>
+                      </a:rPr>
+                      <m:t>∈</m:t>
+                    </m:r>
+                    <m:sSub>
+                      <m:sSubPr>
+                        <m:ctrlPr>
+                          <a:rPr lang="en-US" b="0" i="1" dirty="0" smtClean="0">
+                            <a:solidFill>
+                              <a:srgbClr val="C00000"/>
+                            </a:solidFill>
+                            <a:latin typeface="Cambria Math" panose="02040503050406030204" pitchFamily="18" charset="0"/>
+                          </a:rPr>
+                        </m:ctrlPr>
+                      </m:sSubPr>
+                      <m:e>
+                        <m:r>
+                          <m:rPr>
+                            <m:sty m:val="p"/>
+                          </m:rPr>
+                          <a:rPr lang="en-US" b="0" i="0" dirty="0" smtClean="0">
+                            <a:solidFill>
+                              <a:srgbClr val="C00000"/>
+                            </a:solidFill>
+                            <a:latin typeface="Cambria Math" panose="02040503050406030204" pitchFamily="18" charset="0"/>
+                          </a:rPr>
+                          <m:t>Ω</m:t>
+                        </m:r>
+                      </m:e>
+                      <m:sub>
+                        <m:r>
+                          <a:rPr lang="en-US" b="0" i="1" dirty="0" smtClean="0">
+                            <a:solidFill>
+                              <a:srgbClr val="C00000"/>
+                            </a:solidFill>
+                            <a:latin typeface="Cambria Math" panose="02040503050406030204" pitchFamily="18" charset="0"/>
+                          </a:rPr>
+                          <m:t>𝑋</m:t>
+                        </m:r>
+                      </m:sub>
+                    </m:sSub>
+                  </m:oMath>
+                </a14:m>
+                <a:r>
+                  <a:rPr lang="en-US" dirty="0"/>
+                  <a:t>, </a:t>
+                </a:r>
+                <a14:m>
+                  <m:oMath xmlns:m="http://schemas.openxmlformats.org/officeDocument/2006/math">
+                    <m:r>
+                      <a:rPr lang="en-US" b="0" i="1" dirty="0" smtClean="0">
+                        <a:solidFill>
+                          <a:srgbClr val="C00000"/>
+                        </a:solidFill>
+                        <a:latin typeface="Cambria Math" panose="02040503050406030204" pitchFamily="18" charset="0"/>
+                      </a:rPr>
+                      <m:t>𝑦</m:t>
+                    </m:r>
+                    <m:r>
+                      <a:rPr lang="en-US" b="0" i="1" dirty="0" smtClean="0">
+                        <a:solidFill>
+                          <a:srgbClr val="C00000"/>
+                        </a:solidFill>
+                        <a:latin typeface="Cambria Math" panose="02040503050406030204" pitchFamily="18" charset="0"/>
+                      </a:rPr>
+                      <m:t>∈</m:t>
+                    </m:r>
+                    <m:sSub>
+                      <m:sSubPr>
+                        <m:ctrlPr>
+                          <a:rPr lang="en-US" b="0" i="1" dirty="0" smtClean="0">
+                            <a:solidFill>
+                              <a:srgbClr val="C00000"/>
+                            </a:solidFill>
+                            <a:latin typeface="Cambria Math" panose="02040503050406030204" pitchFamily="18" charset="0"/>
+                          </a:rPr>
+                        </m:ctrlPr>
+                      </m:sSubPr>
+                      <m:e>
+                        <m:r>
+                          <m:rPr>
+                            <m:sty m:val="p"/>
+                          </m:rPr>
+                          <a:rPr lang="en-US" b="0" i="0" dirty="0" smtClean="0">
+                            <a:solidFill>
+                              <a:srgbClr val="C00000"/>
+                            </a:solidFill>
+                            <a:latin typeface="Cambria Math" panose="02040503050406030204" pitchFamily="18" charset="0"/>
+                          </a:rPr>
+                          <m:t>Ω</m:t>
+                        </m:r>
+                      </m:e>
+                      <m:sub>
+                        <m:r>
+                          <a:rPr lang="en-US" b="0" i="1" dirty="0" smtClean="0">
+                            <a:solidFill>
+                              <a:srgbClr val="C00000"/>
+                            </a:solidFill>
+                            <a:latin typeface="Cambria Math" panose="02040503050406030204" pitchFamily="18" charset="0"/>
+                          </a:rPr>
+                          <m:t>𝑌</m:t>
+                        </m:r>
+                      </m:sub>
+                    </m:sSub>
+                  </m:oMath>
+                </a14:m>
                 <a:endParaRPr lang="en-US" dirty="0"/>
               </a:p>
             </p:txBody>
@@ -5214,8 +5345,8 @@
           </a:p>
         </p:txBody>
       </p:sp>
-      <mc:AlternateContent xmlns:mc="http://schemas.openxmlformats.org/markup-compatibility/2006">
-        <mc:Choice xmlns:a14="http://schemas.microsoft.com/office/drawing/2010/main" Requires="a14">
+      <mc:AlternateContent xmlns:mc="http://schemas.openxmlformats.org/markup-compatibility/2006" xmlns:a14="http://schemas.microsoft.com/office/drawing/2010/main">
+        <mc:Choice Requires="a14">
           <p:sp>
             <p:nvSpPr>
               <p:cNvPr id="3" name="Content Placeholder 2">
@@ -5456,7 +5587,7 @@
             </p:txBody>
           </p:sp>
         </mc:Choice>
-        <mc:Fallback>
+        <mc:Fallback xmlns="">
           <p:sp>
             <p:nvSpPr>
               <p:cNvPr id="3" name="Content Placeholder 2">
@@ -5500,8 +5631,8 @@
           </p:sp>
         </mc:Fallback>
       </mc:AlternateContent>
-      <mc:AlternateContent xmlns:mc="http://schemas.openxmlformats.org/markup-compatibility/2006">
-        <mc:Choice xmlns:a14="http://schemas.microsoft.com/office/drawing/2010/main" Requires="a14">
+      <mc:AlternateContent xmlns:mc="http://schemas.openxmlformats.org/markup-compatibility/2006" xmlns:a14="http://schemas.microsoft.com/office/drawing/2010/main">
+        <mc:Choice Requires="a14">
           <p:sp>
             <p:nvSpPr>
               <p:cNvPr id="5" name="TextBox 4">
@@ -5716,7 +5847,7 @@
             </p:txBody>
           </p:sp>
         </mc:Choice>
-        <mc:Fallback>
+        <mc:Fallback xmlns="">
           <p:sp>
             <p:nvSpPr>
               <p:cNvPr id="5" name="TextBox 4">
@@ -5824,8 +5955,8 @@
           </a:p>
         </p:txBody>
       </p:sp>
-      <mc:AlternateContent xmlns:mc="http://schemas.openxmlformats.org/markup-compatibility/2006">
-        <mc:Choice xmlns:a14="http://schemas.microsoft.com/office/drawing/2010/main" Requires="a14">
+      <mc:AlternateContent xmlns:mc="http://schemas.openxmlformats.org/markup-compatibility/2006" xmlns:a14="http://schemas.microsoft.com/office/drawing/2010/main">
+        <mc:Choice Requires="a14">
           <p:sp>
             <p:nvSpPr>
               <p:cNvPr id="3" name="Content Placeholder 2">
@@ -5962,7 +6093,7 @@
             </p:txBody>
           </p:sp>
         </mc:Choice>
-        <mc:Fallback>
+        <mc:Fallback xmlns="">
           <p:sp>
             <p:nvSpPr>
               <p:cNvPr id="3" name="Content Placeholder 2">
@@ -6006,8 +6137,8 @@
           </p:sp>
         </mc:Fallback>
       </mc:AlternateContent>
-      <mc:AlternateContent xmlns:mc="http://schemas.openxmlformats.org/markup-compatibility/2006">
-        <mc:Choice xmlns:a14="http://schemas.microsoft.com/office/drawing/2010/main" Requires="a14">
+      <mc:AlternateContent xmlns:mc="http://schemas.openxmlformats.org/markup-compatibility/2006" xmlns:a14="http://schemas.microsoft.com/office/drawing/2010/main">
+        <mc:Choice Requires="a14">
           <p:sp>
             <p:nvSpPr>
               <p:cNvPr id="5" name="TextBox 4">
@@ -6272,7 +6403,7 @@
             </p:txBody>
           </p:sp>
         </mc:Choice>
-        <mc:Fallback>
+        <mc:Fallback xmlns="">
           <p:sp>
             <p:nvSpPr>
               <p:cNvPr id="5" name="TextBox 4">
@@ -6462,6 +6593,11 @@
                 <a:endParaRPr lang="en-US" dirty="0"/>
               </a:p>
               <a:p>
+                <a:pPr>
+                  <a:buClr>
+                    <a:schemeClr val="tx1"/>
+                  </a:buClr>
+                </a:pPr>
                 <a:r>
                   <a:rPr lang="en-US" dirty="0"/>
                   <a:t>Linearity of variance for </a:t>
@@ -6678,8 +6814,8 @@
           </p:sp>
         </mc:Fallback>
       </mc:AlternateContent>
-      <mc:AlternateContent xmlns:mc="http://schemas.openxmlformats.org/markup-compatibility/2006">
-        <mc:Choice xmlns:a14="http://schemas.microsoft.com/office/drawing/2010/main" Requires="a14">
+      <mc:AlternateContent xmlns:mc="http://schemas.openxmlformats.org/markup-compatibility/2006" xmlns:a14="http://schemas.microsoft.com/office/drawing/2010/main">
+        <mc:Choice Requires="a14">
           <p:sp>
             <p:nvSpPr>
               <p:cNvPr id="5" name="TextBox 4">
@@ -6916,7 +7052,7 @@
             </p:txBody>
           </p:sp>
         </mc:Choice>
-        <mc:Fallback>
+        <mc:Fallback xmlns="">
           <p:sp>
             <p:nvSpPr>
               <p:cNvPr id="5" name="TextBox 4">
